--- a/Document/7. 매뉴얼/[MD]매뉴얼_Ver1.0.0_Semi-Colon.pptx
+++ b/Document/7. 매뉴얼/[MD]매뉴얼_Ver1.0.0_Semi-Colon.pptx
@@ -218,7 +218,7 @@
           <a:p>
             <a:fld id="{E73727FA-96F2-4585-AC38-8365A279DEE8}" type="datetimeFigureOut">
               <a:rPr lang="ko-KR" altLang="en-US" smtClean="0"/>
-              <a:t>2020-04-23</a:t>
+              <a:t>2020-06-09</a:t>
             </a:fld>
             <a:endParaRPr lang="ko-KR" altLang="en-US"/>
           </a:p>
@@ -1188,7 +1188,7 @@
           <a:p>
             <a:fld id="{2FCA0E78-9965-49B5-800E-8D686680E06F}" type="datetime1">
               <a:rPr lang="ko-KR" altLang="en-US" smtClean="0"/>
-              <a:t>2020-04-23</a:t>
+              <a:t>2020-06-09</a:t>
             </a:fld>
             <a:endParaRPr lang="ko-KR" altLang="en-US"/>
           </a:p>
@@ -1357,7 +1357,7 @@
           <a:p>
             <a:fld id="{CF0F1997-FC62-42DC-90F6-C95D74171B5F}" type="datetime1">
               <a:rPr lang="ko-KR" altLang="en-US" smtClean="0"/>
-              <a:t>2020-04-23</a:t>
+              <a:t>2020-06-09</a:t>
             </a:fld>
             <a:endParaRPr lang="ko-KR" altLang="en-US"/>
           </a:p>
@@ -1573,7 +1573,7 @@
           <a:p>
             <a:fld id="{161D4168-09BD-4323-9D26-8A0E00274E42}" type="datetime1">
               <a:rPr lang="ko-KR" altLang="en-US" smtClean="0"/>
-              <a:t>2020-04-23</a:t>
+              <a:t>2020-06-09</a:t>
             </a:fld>
             <a:endParaRPr lang="ko-KR" altLang="en-US"/>
           </a:p>
@@ -1694,7 +1694,7 @@
           <a:p>
             <a:fld id="{37338896-96FF-4994-9679-05225570C6BF}" type="datetime1">
               <a:rPr lang="ko-KR" altLang="en-US" smtClean="0"/>
-              <a:t>2020-04-23</a:t>
+              <a:t>2020-06-09</a:t>
             </a:fld>
             <a:endParaRPr lang="ko-KR" altLang="en-US"/>
           </a:p>
@@ -2153,7 +2153,7 @@
           <a:p>
             <a:fld id="{9D3F1D97-D08A-42F4-8004-8D239AC04EDB}" type="datetime1">
               <a:rPr lang="ko-KR" altLang="en-US" smtClean="0"/>
-              <a:t>2020-04-23</a:t>
+              <a:t>2020-06-09</a:t>
             </a:fld>
             <a:endParaRPr lang="ko-KR" altLang="en-US"/>
           </a:p>
@@ -2426,7 +2426,7 @@
           <a:p>
             <a:fld id="{2033D44A-D096-437E-AB68-849C97DC06BA}" type="datetime1">
               <a:rPr lang="ko-KR" altLang="en-US" smtClean="0"/>
-              <a:t>2020-04-23</a:t>
+              <a:t>2020-06-09</a:t>
             </a:fld>
             <a:endParaRPr lang="ko-KR" altLang="en-US"/>
           </a:p>
@@ -2846,7 +2846,7 @@
           <a:p>
             <a:fld id="{23D35708-D27C-4D05-A3B7-C9A44FF1611F}" type="datetime1">
               <a:rPr lang="ko-KR" altLang="en-US" smtClean="0"/>
-              <a:t>2020-04-23</a:t>
+              <a:t>2020-06-09</a:t>
             </a:fld>
             <a:endParaRPr lang="ko-KR" altLang="en-US"/>
           </a:p>
@@ -2995,7 +2995,7 @@
           <a:p>
             <a:fld id="{D20B75E7-A968-409D-8DB7-6B3CDF72C5B4}" type="datetime1">
               <a:rPr lang="ko-KR" altLang="en-US" smtClean="0"/>
-              <a:t>2020-04-23</a:t>
+              <a:t>2020-06-09</a:t>
             </a:fld>
             <a:endParaRPr lang="ko-KR" altLang="en-US"/>
           </a:p>
@@ -3116,7 +3116,7 @@
           <a:p>
             <a:fld id="{5A3CA3E5-F399-43F1-9BE0-8D50397973E4}" type="datetime1">
               <a:rPr lang="ko-KR" altLang="en-US" smtClean="0"/>
-              <a:t>2020-04-23</a:t>
+              <a:t>2020-06-09</a:t>
             </a:fld>
             <a:endParaRPr lang="ko-KR" altLang="en-US"/>
           </a:p>
@@ -3435,7 +3435,7 @@
           <a:p>
             <a:fld id="{75742EB5-F5E2-449B-B85E-2AD7CA919F70}" type="datetime1">
               <a:rPr lang="ko-KR" altLang="en-US" smtClean="0"/>
-              <a:t>2020-04-23</a:t>
+              <a:t>2020-06-09</a:t>
             </a:fld>
             <a:endParaRPr lang="ko-KR" altLang="en-US"/>
           </a:p>
@@ -3731,7 +3731,7 @@
           <a:p>
             <a:fld id="{80F19E34-E215-43ED-8A9E-59D20DAD6AFB}" type="datetime1">
               <a:rPr lang="ko-KR" altLang="en-US" smtClean="0"/>
-              <a:t>2020-04-23</a:t>
+              <a:t>2020-06-09</a:t>
             </a:fld>
             <a:endParaRPr lang="ko-KR" altLang="en-US"/>
           </a:p>
@@ -3980,7 +3980,7 @@
           <a:p>
             <a:fld id="{80C0F715-BD53-41A2-8E43-B48C2ED034FC}" type="datetime1">
               <a:rPr lang="ko-KR" altLang="en-US" smtClean="0"/>
-              <a:t>2020-04-23</a:t>
+              <a:t>2020-06-09</a:t>
             </a:fld>
             <a:endParaRPr lang="ko-KR" altLang="en-US"/>
           </a:p>
@@ -5533,7 +5533,7 @@
             <p:ph idx="13"/>
             <p:extLst>
               <p:ext uri="{D42A27DB-BD31-4B8C-83A1-F6EECF244321}">
-                <p14:modId xmlns:p14="http://schemas.microsoft.com/office/powerpoint/2010/main" val="1017288212"/>
+                <p14:modId xmlns:p14="http://schemas.microsoft.com/office/powerpoint/2010/main" val="996285807"/>
               </p:ext>
             </p:extLst>
           </p:nvPr>
@@ -5640,15 +5640,11 @@
                       </a:pPr>
                       <a:r>
                         <a:rPr lang="ko-KR" altLang="en-US" dirty="0"/>
-                        <a:t>최근 감지된 이미지 </a:t>
+                        <a:t>당일 감지된 </a:t>
                       </a:r>
                       <a:r>
-                        <a:rPr lang="en-US" altLang="ko-KR" dirty="0"/>
-                        <a:t>10</a:t>
-                      </a:r>
-                      <a:r>
-                        <a:rPr lang="ko-KR" altLang="en-US" dirty="0"/>
-                        <a:t>개 출력</a:t>
+                        <a:rPr lang="ko-KR" altLang="en-US"/>
+                        <a:t>이미지 출력</a:t>
                       </a:r>
                       <a:endParaRPr lang="en-US" altLang="ko-KR" dirty="0"/>
                     </a:p>
@@ -5838,10 +5834,9 @@
                         <a:buChar char="•"/>
                       </a:pPr>
                       <a:r>
-                        <a:rPr lang="ko-KR" altLang="en-US"/>
+                        <a:rPr lang="ko-KR" altLang="en-US" dirty="0"/>
                         <a:t>이미지 감지 정도를 사용자가 임의로 지정할 수 있도록 함</a:t>
                       </a:r>
-                      <a:endParaRPr lang="ko-KR" altLang="en-US" dirty="0"/>
                     </a:p>
                   </a:txBody>
                   <a:tcPr anchor="ctr"/>
